--- a/Python Programming/LearnPython-2/Python Learning-Part2.pptx
+++ b/Python Programming/LearnPython-2/Python Learning-Part2.pptx
@@ -17,6 +17,9 @@
     <p:sldId id="266" r:id="rId11"/>
     <p:sldId id="267" r:id="rId12"/>
     <p:sldId id="268" r:id="rId13"/>
+    <p:sldId id="269" r:id="rId14"/>
+    <p:sldId id="270" r:id="rId15"/>
+    <p:sldId id="271" r:id="rId16"/>
   </p:sldIdLst>
   <p:sldSz cx="12192000" cy="6858000"/>
   <p:notesSz cx="6858000" cy="9144000"/>
@@ -252,7 +255,7 @@
           <a:p>
             <a:fld id="{A4C95B8B-28FC-44E2-B149-11B3C5E98AF5}" type="datetimeFigureOut">
               <a:rPr lang="en-US" smtClean="0"/>
-              <a:t>7/24/2016</a:t>
+              <a:t>7/25/2016</a:t>
             </a:fld>
             <a:endParaRPr lang="en-US"/>
           </a:p>
@@ -420,7 +423,7 @@
           <a:p>
             <a:fld id="{A4C95B8B-28FC-44E2-B149-11B3C5E98AF5}" type="datetimeFigureOut">
               <a:rPr lang="en-US" smtClean="0"/>
-              <a:t>7/24/2016</a:t>
+              <a:t>7/25/2016</a:t>
             </a:fld>
             <a:endParaRPr lang="en-US"/>
           </a:p>
@@ -598,7 +601,7 @@
           <a:p>
             <a:fld id="{A4C95B8B-28FC-44E2-B149-11B3C5E98AF5}" type="datetimeFigureOut">
               <a:rPr lang="en-US" smtClean="0"/>
-              <a:t>7/24/2016</a:t>
+              <a:t>7/25/2016</a:t>
             </a:fld>
             <a:endParaRPr lang="en-US"/>
           </a:p>
@@ -766,7 +769,7 @@
           <a:p>
             <a:fld id="{A4C95B8B-28FC-44E2-B149-11B3C5E98AF5}" type="datetimeFigureOut">
               <a:rPr lang="en-US" smtClean="0"/>
-              <a:t>7/24/2016</a:t>
+              <a:t>7/25/2016</a:t>
             </a:fld>
             <a:endParaRPr lang="en-US"/>
           </a:p>
@@ -1011,7 +1014,7 @@
           <a:p>
             <a:fld id="{A4C95B8B-28FC-44E2-B149-11B3C5E98AF5}" type="datetimeFigureOut">
               <a:rPr lang="en-US" smtClean="0"/>
-              <a:t>7/24/2016</a:t>
+              <a:t>7/25/2016</a:t>
             </a:fld>
             <a:endParaRPr lang="en-US"/>
           </a:p>
@@ -1240,7 +1243,7 @@
           <a:p>
             <a:fld id="{A4C95B8B-28FC-44E2-B149-11B3C5E98AF5}" type="datetimeFigureOut">
               <a:rPr lang="en-US" smtClean="0"/>
-              <a:t>7/24/2016</a:t>
+              <a:t>7/25/2016</a:t>
             </a:fld>
             <a:endParaRPr lang="en-US"/>
           </a:p>
@@ -1604,7 +1607,7 @@
           <a:p>
             <a:fld id="{A4C95B8B-28FC-44E2-B149-11B3C5E98AF5}" type="datetimeFigureOut">
               <a:rPr lang="en-US" smtClean="0"/>
-              <a:t>7/24/2016</a:t>
+              <a:t>7/25/2016</a:t>
             </a:fld>
             <a:endParaRPr lang="en-US"/>
           </a:p>
@@ -1721,7 +1724,7 @@
           <a:p>
             <a:fld id="{A4C95B8B-28FC-44E2-B149-11B3C5E98AF5}" type="datetimeFigureOut">
               <a:rPr lang="en-US" smtClean="0"/>
-              <a:t>7/24/2016</a:t>
+              <a:t>7/25/2016</a:t>
             </a:fld>
             <a:endParaRPr lang="en-US"/>
           </a:p>
@@ -1816,7 +1819,7 @@
           <a:p>
             <a:fld id="{A4C95B8B-28FC-44E2-B149-11B3C5E98AF5}" type="datetimeFigureOut">
               <a:rPr lang="en-US" smtClean="0"/>
-              <a:t>7/24/2016</a:t>
+              <a:t>7/25/2016</a:t>
             </a:fld>
             <a:endParaRPr lang="en-US"/>
           </a:p>
@@ -2091,7 +2094,7 @@
           <a:p>
             <a:fld id="{A4C95B8B-28FC-44E2-B149-11B3C5E98AF5}" type="datetimeFigureOut">
               <a:rPr lang="en-US" smtClean="0"/>
-              <a:t>7/24/2016</a:t>
+              <a:t>7/25/2016</a:t>
             </a:fld>
             <a:endParaRPr lang="en-US"/>
           </a:p>
@@ -2343,7 +2346,7 @@
           <a:p>
             <a:fld id="{A4C95B8B-28FC-44E2-B149-11B3C5E98AF5}" type="datetimeFigureOut">
               <a:rPr lang="en-US" smtClean="0"/>
-              <a:t>7/24/2016</a:t>
+              <a:t>7/25/2016</a:t>
             </a:fld>
             <a:endParaRPr lang="en-US"/>
           </a:p>
@@ -2554,7 +2557,7 @@
           <a:p>
             <a:fld id="{A4C95B8B-28FC-44E2-B149-11B3C5E98AF5}" type="datetimeFigureOut">
               <a:rPr lang="en-US" smtClean="0"/>
-              <a:t>7/24/2016</a:t>
+              <a:t>7/25/2016</a:t>
             </a:fld>
             <a:endParaRPr lang="en-US"/>
           </a:p>
@@ -3447,6 +3450,449 @@
 </p:sld>
 </file>
 
+<file path=ppt/slides/slide13.xml><?xml version="1.0" encoding="utf-8"?>
+<p:sld xmlns:a="http://schemas.openxmlformats.org/drawingml/2006/main" xmlns:r="http://schemas.openxmlformats.org/officeDocument/2006/relationships" xmlns:p="http://schemas.openxmlformats.org/presentationml/2006/main">
+  <p:cSld>
+    <p:spTree>
+      <p:nvGrpSpPr>
+        <p:cNvPr id="1" name=""/>
+        <p:cNvGrpSpPr/>
+        <p:nvPr/>
+      </p:nvGrpSpPr>
+      <p:grpSpPr>
+        <a:xfrm>
+          <a:off x="0" y="0"/>
+          <a:ext cx="0" cy="0"/>
+          <a:chOff x="0" y="0"/>
+          <a:chExt cx="0" cy="0"/>
+        </a:xfrm>
+      </p:grpSpPr>
+      <p:sp>
+        <p:nvSpPr>
+          <p:cNvPr id="2" name="Title 1"/>
+          <p:cNvSpPr>
+            <a:spLocks noGrp="1"/>
+          </p:cNvSpPr>
+          <p:nvPr>
+            <p:ph type="title"/>
+          </p:nvPr>
+        </p:nvSpPr>
+        <p:spPr>
+          <a:xfrm>
+            <a:off x="838200" y="365126"/>
+            <a:ext cx="10515600" cy="628788"/>
+          </a:xfrm>
+        </p:spPr>
+        <p:txBody>
+          <a:bodyPr>
+            <a:normAutofit fontScale="90000"/>
+          </a:bodyPr>
+          <a:lstStyle/>
+          <a:p>
+            <a:r>
+              <a:rPr lang="en-US" dirty="0"/>
+              <a:t>Pivot Table</a:t>
+            </a:r>
+          </a:p>
+        </p:txBody>
+      </p:sp>
+      <p:sp>
+        <p:nvSpPr>
+          <p:cNvPr id="3" name="Content Placeholder 2"/>
+          <p:cNvSpPr>
+            <a:spLocks noGrp="1"/>
+          </p:cNvSpPr>
+          <p:nvPr>
+            <p:ph idx="1"/>
+          </p:nvPr>
+        </p:nvSpPr>
+        <p:spPr>
+          <a:xfrm>
+            <a:off x="838200" y="1113184"/>
+            <a:ext cx="10515600" cy="5063780"/>
+          </a:xfrm>
+        </p:spPr>
+        <p:txBody>
+          <a:bodyPr>
+            <a:normAutofit/>
+          </a:bodyPr>
+          <a:lstStyle/>
+          <a:p>
+            <a:r>
+              <a:rPr lang="en-US" dirty="0"/>
+              <a:t>powerful tool to summarize and present data</a:t>
+            </a:r>
+          </a:p>
+          <a:p>
+            <a:r>
+              <a:rPr lang="en-US" dirty="0"/>
+              <a:t>important to understand your data</a:t>
+            </a:r>
+          </a:p>
+          <a:p>
+            <a:r>
+              <a:rPr lang="en-US" dirty="0"/>
+              <a:t>Can produce very powerful analysis very quickly</a:t>
+            </a:r>
+          </a:p>
+          <a:p>
+            <a:r>
+              <a:rPr lang="en-US" dirty="0"/>
+              <a:t>Example: sales pipeline</a:t>
+            </a:r>
+          </a:p>
+          <a:p>
+            <a:pPr marL="0" indent="0">
+              <a:buNone/>
+            </a:pPr>
+            <a:r>
+              <a:rPr lang="en-US" dirty="0"/>
+              <a:t>	- How much revenue is in the pipeline?</a:t>
+            </a:r>
+          </a:p>
+          <a:p>
+            <a:pPr marL="0" indent="0">
+              <a:buNone/>
+            </a:pPr>
+            <a:r>
+              <a:rPr lang="en-US" dirty="0"/>
+              <a:t>	- What products are in the pipeline?</a:t>
+            </a:r>
+          </a:p>
+          <a:p>
+            <a:pPr marL="0" indent="0">
+              <a:buNone/>
+            </a:pPr>
+            <a:r>
+              <a:rPr lang="en-US" dirty="0"/>
+              <a:t>	- Who has what products at what stage?</a:t>
+            </a:r>
+          </a:p>
+          <a:p>
+            <a:pPr marL="0" indent="0">
+              <a:buNone/>
+            </a:pPr>
+            <a:r>
+              <a:rPr lang="en-US" dirty="0"/>
+              <a:t>	- How likely are we to close deals by year end?</a:t>
+            </a:r>
+          </a:p>
+          <a:p>
+            <a:r>
+              <a:rPr lang="en-US" dirty="0"/>
+              <a:t>Normally companies uses some CRM tool or Excel to solve, analyze or summarize the data</a:t>
+            </a:r>
+          </a:p>
+          <a:p>
+            <a:pPr marL="0" indent="0">
+              <a:buNone/>
+            </a:pPr>
+            <a:endParaRPr lang="en-US" dirty="0"/>
+          </a:p>
+          <a:p>
+            <a:pPr marL="0" indent="0">
+              <a:buNone/>
+            </a:pPr>
+            <a:endParaRPr lang="en-US" dirty="0"/>
+          </a:p>
+        </p:txBody>
+      </p:sp>
+    </p:spTree>
+    <p:extLst>
+      <p:ext uri="{BB962C8B-B14F-4D97-AF65-F5344CB8AC3E}">
+        <p14:creationId xmlns:p14="http://schemas.microsoft.com/office/powerpoint/2010/main" val="2995331474"/>
+      </p:ext>
+    </p:extLst>
+  </p:cSld>
+  <p:clrMapOvr>
+    <a:masterClrMapping/>
+  </p:clrMapOvr>
+</p:sld>
+</file>
+
+<file path=ppt/slides/slide14.xml><?xml version="1.0" encoding="utf-8"?>
+<p:sld xmlns:a="http://schemas.openxmlformats.org/drawingml/2006/main" xmlns:r="http://schemas.openxmlformats.org/officeDocument/2006/relationships" xmlns:p="http://schemas.openxmlformats.org/presentationml/2006/main">
+  <p:cSld>
+    <p:spTree>
+      <p:nvGrpSpPr>
+        <p:cNvPr id="1" name=""/>
+        <p:cNvGrpSpPr/>
+        <p:nvPr/>
+      </p:nvGrpSpPr>
+      <p:grpSpPr>
+        <a:xfrm>
+          <a:off x="0" y="0"/>
+          <a:ext cx="0" cy="0"/>
+          <a:chOff x="0" y="0"/>
+          <a:chExt cx="0" cy="0"/>
+        </a:xfrm>
+      </p:grpSpPr>
+      <p:sp>
+        <p:nvSpPr>
+          <p:cNvPr id="2" name="Title 1"/>
+          <p:cNvSpPr>
+            <a:spLocks noGrp="1"/>
+          </p:cNvSpPr>
+          <p:nvPr>
+            <p:ph type="title"/>
+          </p:nvPr>
+        </p:nvSpPr>
+        <p:spPr>
+          <a:xfrm>
+            <a:off x="838200" y="365125"/>
+            <a:ext cx="10515600" cy="973345"/>
+          </a:xfrm>
+        </p:spPr>
+        <p:txBody>
+          <a:bodyPr/>
+          <a:lstStyle/>
+          <a:p>
+            <a:r>
+              <a:rPr lang="en-US" dirty="0"/>
+              <a:t>Pandas as solution </a:t>
+            </a:r>
+            <a:r>
+              <a:rPr lang="en-US" dirty="0">
+                <a:sym typeface="Wingdings" panose="05000000000000000000" pitchFamily="2" charset="2"/>
+              </a:rPr>
+              <a:t></a:t>
+            </a:r>
+            <a:endParaRPr lang="en-US" dirty="0"/>
+          </a:p>
+        </p:txBody>
+      </p:sp>
+      <p:sp>
+        <p:nvSpPr>
+          <p:cNvPr id="3" name="Content Placeholder 2"/>
+          <p:cNvSpPr>
+            <a:spLocks noGrp="1"/>
+          </p:cNvSpPr>
+          <p:nvPr>
+            <p:ph idx="1"/>
+          </p:nvPr>
+        </p:nvSpPr>
+        <p:spPr>
+          <a:xfrm>
+            <a:off x="838200" y="1563757"/>
+            <a:ext cx="10515600" cy="4613206"/>
+          </a:xfrm>
+        </p:spPr>
+        <p:txBody>
+          <a:bodyPr>
+            <a:normAutofit/>
+          </a:bodyPr>
+          <a:lstStyle/>
+          <a:p>
+            <a:r>
+              <a:rPr lang="en-US" dirty="0"/>
+              <a:t>Quicker (once it is set up)</a:t>
+            </a:r>
+          </a:p>
+          <a:p>
+            <a:r>
+              <a:rPr lang="en-US" dirty="0"/>
+              <a:t>Self documenting (look at the code and you know what it does)</a:t>
+            </a:r>
+          </a:p>
+          <a:p>
+            <a:r>
+              <a:rPr lang="en-US" dirty="0"/>
+              <a:t>Easy to use to generate a report or email</a:t>
+            </a:r>
+          </a:p>
+          <a:p>
+            <a:r>
+              <a:rPr lang="en-US" dirty="0"/>
+              <a:t>More flexible because you can define custom aggregation functions</a:t>
+            </a:r>
+          </a:p>
+          <a:p>
+            <a:pPr marL="0" indent="0">
+              <a:buNone/>
+            </a:pPr>
+            <a:r>
+              <a:rPr lang="en-US" dirty="0"/>
+              <a:t>	</a:t>
+            </a:r>
+            <a:r>
+              <a:rPr lang="en-US" sz="2000" i="1" dirty="0" err="1"/>
+              <a:t>DataFrame.pivot_table</a:t>
+            </a:r>
+            <a:r>
+              <a:rPr lang="en-US" sz="2000" i="1" dirty="0"/>
+              <a:t>(data, values=None, index=None, columns=None, </a:t>
+            </a:r>
+            <a:r>
+              <a:rPr lang="en-US" sz="2000" i="1" dirty="0" err="1"/>
+              <a:t>aggfunc</a:t>
+            </a:r>
+            <a:r>
+              <a:rPr lang="en-US" sz="2000" i="1" dirty="0"/>
+              <a:t>='mean', </a:t>
+            </a:r>
+            <a:r>
+              <a:rPr lang="en-US" sz="2000" i="1" dirty="0" err="1"/>
+              <a:t>fill_value</a:t>
+            </a:r>
+            <a:r>
+              <a:rPr lang="en-US" sz="2000" i="1" dirty="0"/>
+              <a:t>=None, margins=False, </a:t>
+            </a:r>
+            <a:r>
+              <a:rPr lang="en-US" sz="2000" i="1" dirty="0" err="1"/>
+              <a:t>dropna</a:t>
+            </a:r>
+            <a:r>
+              <a:rPr lang="en-US" sz="2000" i="1" dirty="0"/>
+              <a:t>=True, </a:t>
+            </a:r>
+            <a:r>
+              <a:rPr lang="en-US" sz="2000" i="1" dirty="0" err="1"/>
+              <a:t>margins_name</a:t>
+            </a:r>
+            <a:r>
+              <a:rPr lang="en-US" sz="2000" i="1" dirty="0"/>
+              <a:t>='All')</a:t>
+            </a:r>
+          </a:p>
+          <a:p>
+            <a:r>
+              <a:rPr lang="en-US" dirty="0"/>
+              <a:t>Official link</a:t>
+            </a:r>
+          </a:p>
+          <a:p>
+            <a:pPr marL="0" indent="0">
+              <a:buNone/>
+            </a:pPr>
+            <a:r>
+              <a:rPr lang="en-US" dirty="0">
+                <a:hlinkClick r:id="rId2"/>
+              </a:rPr>
+              <a:t>http://pandas.pydata.org/pandas-docs/stable/generated/pandas.DataFrame.pivot_table.html</a:t>
+            </a:r>
+            <a:endParaRPr lang="en-US" dirty="0"/>
+          </a:p>
+          <a:p>
+            <a:pPr marL="0" indent="0">
+              <a:buNone/>
+            </a:pPr>
+            <a:endParaRPr lang="en-US" dirty="0"/>
+          </a:p>
+          <a:p>
+            <a:endParaRPr lang="en-US" dirty="0"/>
+          </a:p>
+        </p:txBody>
+      </p:sp>
+    </p:spTree>
+    <p:extLst>
+      <p:ext uri="{BB962C8B-B14F-4D97-AF65-F5344CB8AC3E}">
+        <p14:creationId xmlns:p14="http://schemas.microsoft.com/office/powerpoint/2010/main" val="912173922"/>
+      </p:ext>
+    </p:extLst>
+  </p:cSld>
+  <p:clrMapOvr>
+    <a:masterClrMapping/>
+  </p:clrMapOvr>
+</p:sld>
+</file>
+
+<file path=ppt/slides/slide15.xml><?xml version="1.0" encoding="utf-8"?>
+<p:sld xmlns:a="http://schemas.openxmlformats.org/drawingml/2006/main" xmlns:r="http://schemas.openxmlformats.org/officeDocument/2006/relationships" xmlns:p="http://schemas.openxmlformats.org/presentationml/2006/main">
+  <p:cSld>
+    <p:spTree>
+      <p:nvGrpSpPr>
+        <p:cNvPr id="1" name=""/>
+        <p:cNvGrpSpPr/>
+        <p:nvPr/>
+      </p:nvGrpSpPr>
+      <p:grpSpPr>
+        <a:xfrm>
+          <a:off x="0" y="0"/>
+          <a:ext cx="0" cy="0"/>
+          <a:chOff x="0" y="0"/>
+          <a:chExt cx="0" cy="0"/>
+        </a:xfrm>
+      </p:grpSpPr>
+      <p:sp>
+        <p:nvSpPr>
+          <p:cNvPr id="2" name="Title 1"/>
+          <p:cNvSpPr>
+            <a:spLocks noGrp="1"/>
+          </p:cNvSpPr>
+          <p:nvPr>
+            <p:ph type="title"/>
+          </p:nvPr>
+        </p:nvSpPr>
+        <p:spPr>
+          <a:xfrm>
+            <a:off x="838200" y="365126"/>
+            <a:ext cx="10515600" cy="801066"/>
+          </a:xfrm>
+        </p:spPr>
+        <p:txBody>
+          <a:bodyPr/>
+          <a:lstStyle/>
+          <a:p>
+            <a:r>
+              <a:rPr lang="en-US" dirty="0"/>
+              <a:t>Columns Vs Values</a:t>
+            </a:r>
+          </a:p>
+        </p:txBody>
+      </p:sp>
+      <p:sp>
+        <p:nvSpPr>
+          <p:cNvPr id="3" name="Content Placeholder 2"/>
+          <p:cNvSpPr>
+            <a:spLocks noGrp="1"/>
+          </p:cNvSpPr>
+          <p:nvPr>
+            <p:ph idx="1"/>
+          </p:nvPr>
+        </p:nvSpPr>
+        <p:spPr>
+          <a:xfrm>
+            <a:off x="838200" y="1417983"/>
+            <a:ext cx="10515600" cy="4758980"/>
+          </a:xfrm>
+        </p:spPr>
+        <p:txBody>
+          <a:bodyPr/>
+          <a:lstStyle/>
+          <a:p>
+            <a:r>
+              <a:rPr lang="en-US" dirty="0"/>
+              <a:t>Columns are optional and used to segment the actual values we care about</a:t>
+            </a:r>
+          </a:p>
+          <a:p>
+            <a:r>
+              <a:rPr lang="en-US" dirty="0"/>
+              <a:t>Values are used to apply aggregate functions</a:t>
+            </a:r>
+          </a:p>
+          <a:p>
+            <a:pPr marL="0" indent="0">
+              <a:buNone/>
+            </a:pPr>
+            <a:endParaRPr lang="en-US" dirty="0"/>
+          </a:p>
+        </p:txBody>
+      </p:sp>
+    </p:spTree>
+    <p:extLst>
+      <p:ext uri="{BB962C8B-B14F-4D97-AF65-F5344CB8AC3E}">
+        <p14:creationId xmlns:p14="http://schemas.microsoft.com/office/powerpoint/2010/main" val="2967149681"/>
+      </p:ext>
+    </p:extLst>
+  </p:cSld>
+  <p:clrMapOvr>
+    <a:masterClrMapping/>
+  </p:clrMapOvr>
+</p:sld>
+</file>
+
 <file path=ppt/slides/slide2.xml><?xml version="1.0" encoding="utf-8"?>
 <p:sld xmlns:a="http://schemas.openxmlformats.org/drawingml/2006/main" xmlns:r="http://schemas.openxmlformats.org/officeDocument/2006/relationships" xmlns:p="http://schemas.openxmlformats.org/presentationml/2006/main">
   <p:cSld>
